--- a/Brand7/DataSource/新logo.pptx
+++ b/Brand7/DataSource/新logo.pptx
@@ -105,10 +105,6 @@
     </a:lvl9pPr>
   </p:defaultTextStyle>
 </p:presentation>
-</file>
-
-<file path=ppt/revisionInfo.xml><?xml version="1.0" encoding="utf-8"?>
-<p1510:revInfo xmlns:a="http://schemas.openxmlformats.org/drawingml/2006/main" xmlns:r="http://schemas.openxmlformats.org/officeDocument/2006/relationships" xmlns:p1510="http://schemas.microsoft.com/office/powerpoint/2015/10/main"/>
 </file>
 
 <file path=ppt/slideLayouts/slideLayout1.xml><?xml version="1.0" encoding="utf-8"?>
@@ -7021,8 +7017,8 @@
         </p:nvGrpSpPr>
         <p:grpSpPr>
           <a:xfrm>
-            <a:off x="7204215" y="2580229"/>
-            <a:ext cx="1695182" cy="1695182"/>
+            <a:off x="-293934" y="-1514202"/>
+            <a:ext cx="8881673" cy="8881673"/>
             <a:chOff x="7507772" y="1530869"/>
             <a:chExt cx="1695182" cy="1695182"/>
           </a:xfrm>
